--- a/Professora Marise/Arquitetura incubadora.pptx
+++ b/Professora Marise/Arquitetura incubadora.pptx
@@ -106,6 +106,11 @@
       </a:defRPr>
     </a:lvl9pPr>
   </p:defaultTextStyle>
+  <p:extLst>
+    <p:ext uri="{EFAFB233-063F-42B5-8137-9DF3F51BA10A}">
+      <p15:sldGuideLst xmlns:p15="http://schemas.microsoft.com/office/powerpoint/2012/main"/>
+    </p:ext>
+  </p:extLst>
 </p:presentation>
 </file>
 
@@ -151,10 +156,9 @@
           </a:lstStyle>
           <a:p>
             <a:r>
-              <a:rPr lang="pt-BR" smtClean="0"/>
+              <a:rPr lang="pt-BR"/>
               <a:t>Clique para editar o título mestre</a:t>
             </a:r>
-            <a:endParaRPr lang="pt-BR"/>
           </a:p>
         </p:txBody>
       </p:sp>
@@ -216,10 +220,9 @@
           </a:lstStyle>
           <a:p>
             <a:r>
-              <a:rPr lang="pt-BR" smtClean="0"/>
+              <a:rPr lang="pt-BR"/>
               <a:t>Clique para editar o estilo do subtítulo Mestre</a:t>
             </a:r>
-            <a:endParaRPr lang="pt-BR"/>
           </a:p>
         </p:txBody>
       </p:sp>
@@ -334,10 +337,9 @@
           <a:lstStyle/>
           <a:p>
             <a:r>
-              <a:rPr lang="pt-BR" smtClean="0"/>
+              <a:rPr lang="pt-BR"/>
               <a:t>Clique para editar o título mestre</a:t>
             </a:r>
-            <a:endParaRPr lang="pt-BR"/>
           </a:p>
         </p:txBody>
       </p:sp>
@@ -358,38 +360,37 @@
           <a:p>
             <a:pPr lvl="0"/>
             <a:r>
-              <a:rPr lang="pt-BR" smtClean="0"/>
+              <a:rPr lang="pt-BR"/>
               <a:t>Editar estilos de texto Mestre</a:t>
             </a:r>
           </a:p>
           <a:p>
             <a:pPr lvl="1"/>
             <a:r>
-              <a:rPr lang="pt-BR" smtClean="0"/>
+              <a:rPr lang="pt-BR"/>
               <a:t>Segundo nível</a:t>
             </a:r>
           </a:p>
           <a:p>
             <a:pPr lvl="2"/>
             <a:r>
-              <a:rPr lang="pt-BR" smtClean="0"/>
+              <a:rPr lang="pt-BR"/>
               <a:t>Terceiro nível</a:t>
             </a:r>
           </a:p>
           <a:p>
             <a:pPr lvl="3"/>
             <a:r>
-              <a:rPr lang="pt-BR" smtClean="0"/>
+              <a:rPr lang="pt-BR"/>
               <a:t>Quarto nível</a:t>
             </a:r>
           </a:p>
           <a:p>
             <a:pPr lvl="4"/>
             <a:r>
-              <a:rPr lang="pt-BR" smtClean="0"/>
+              <a:rPr lang="pt-BR"/>
               <a:t>Quinto nível</a:t>
             </a:r>
-            <a:endParaRPr lang="pt-BR"/>
           </a:p>
         </p:txBody>
       </p:sp>
@@ -509,10 +510,9 @@
           <a:lstStyle/>
           <a:p>
             <a:r>
-              <a:rPr lang="pt-BR" smtClean="0"/>
+              <a:rPr lang="pt-BR"/>
               <a:t>Clique para editar o título mestre</a:t>
             </a:r>
-            <a:endParaRPr lang="pt-BR"/>
           </a:p>
         </p:txBody>
       </p:sp>
@@ -538,38 +538,37 @@
           <a:p>
             <a:pPr lvl="0"/>
             <a:r>
-              <a:rPr lang="pt-BR" smtClean="0"/>
+              <a:rPr lang="pt-BR"/>
               <a:t>Editar estilos de texto Mestre</a:t>
             </a:r>
           </a:p>
           <a:p>
             <a:pPr lvl="1"/>
             <a:r>
-              <a:rPr lang="pt-BR" smtClean="0"/>
+              <a:rPr lang="pt-BR"/>
               <a:t>Segundo nível</a:t>
             </a:r>
           </a:p>
           <a:p>
             <a:pPr lvl="2"/>
             <a:r>
-              <a:rPr lang="pt-BR" smtClean="0"/>
+              <a:rPr lang="pt-BR"/>
               <a:t>Terceiro nível</a:t>
             </a:r>
           </a:p>
           <a:p>
             <a:pPr lvl="3"/>
             <a:r>
-              <a:rPr lang="pt-BR" smtClean="0"/>
+              <a:rPr lang="pt-BR"/>
               <a:t>Quarto nível</a:t>
             </a:r>
           </a:p>
           <a:p>
             <a:pPr lvl="4"/>
             <a:r>
-              <a:rPr lang="pt-BR" smtClean="0"/>
+              <a:rPr lang="pt-BR"/>
               <a:t>Quinto nível</a:t>
             </a:r>
-            <a:endParaRPr lang="pt-BR"/>
           </a:p>
         </p:txBody>
       </p:sp>
@@ -684,10 +683,9 @@
           <a:lstStyle/>
           <a:p>
             <a:r>
-              <a:rPr lang="pt-BR" smtClean="0"/>
+              <a:rPr lang="pt-BR"/>
               <a:t>Clique para editar o título mestre</a:t>
             </a:r>
-            <a:endParaRPr lang="pt-BR"/>
           </a:p>
         </p:txBody>
       </p:sp>
@@ -708,38 +706,37 @@
           <a:p>
             <a:pPr lvl="0"/>
             <a:r>
-              <a:rPr lang="pt-BR" smtClean="0"/>
+              <a:rPr lang="pt-BR"/>
               <a:t>Editar estilos de texto Mestre</a:t>
             </a:r>
           </a:p>
           <a:p>
             <a:pPr lvl="1"/>
             <a:r>
-              <a:rPr lang="pt-BR" smtClean="0"/>
+              <a:rPr lang="pt-BR"/>
               <a:t>Segundo nível</a:t>
             </a:r>
           </a:p>
           <a:p>
             <a:pPr lvl="2"/>
             <a:r>
-              <a:rPr lang="pt-BR" smtClean="0"/>
+              <a:rPr lang="pt-BR"/>
               <a:t>Terceiro nível</a:t>
             </a:r>
           </a:p>
           <a:p>
             <a:pPr lvl="3"/>
             <a:r>
-              <a:rPr lang="pt-BR" smtClean="0"/>
+              <a:rPr lang="pt-BR"/>
               <a:t>Quarto nível</a:t>
             </a:r>
           </a:p>
           <a:p>
             <a:pPr lvl="4"/>
             <a:r>
-              <a:rPr lang="pt-BR" smtClean="0"/>
+              <a:rPr lang="pt-BR"/>
               <a:t>Quinto nível</a:t>
             </a:r>
-            <a:endParaRPr lang="pt-BR"/>
           </a:p>
         </p:txBody>
       </p:sp>
@@ -863,10 +860,9 @@
           </a:lstStyle>
           <a:p>
             <a:r>
-              <a:rPr lang="pt-BR" smtClean="0"/>
+              <a:rPr lang="pt-BR"/>
               <a:t>Clique para editar o título mestre</a:t>
             </a:r>
-            <a:endParaRPr lang="pt-BR"/>
           </a:p>
         </p:txBody>
       </p:sp>
@@ -983,7 +979,7 @@
           <a:p>
             <a:pPr lvl="0"/>
             <a:r>
-              <a:rPr lang="pt-BR" smtClean="0"/>
+              <a:rPr lang="pt-BR"/>
               <a:t>Editar estilos de texto Mestre</a:t>
             </a:r>
           </a:p>
@@ -1100,10 +1096,9 @@
           <a:lstStyle/>
           <a:p>
             <a:r>
-              <a:rPr lang="pt-BR" smtClean="0"/>
+              <a:rPr lang="pt-BR"/>
               <a:t>Clique para editar o título mestre</a:t>
             </a:r>
-            <a:endParaRPr lang="pt-BR"/>
           </a:p>
         </p:txBody>
       </p:sp>
@@ -1129,38 +1124,37 @@
           <a:p>
             <a:pPr lvl="0"/>
             <a:r>
-              <a:rPr lang="pt-BR" smtClean="0"/>
+              <a:rPr lang="pt-BR"/>
               <a:t>Editar estilos de texto Mestre</a:t>
             </a:r>
           </a:p>
           <a:p>
             <a:pPr lvl="1"/>
             <a:r>
-              <a:rPr lang="pt-BR" smtClean="0"/>
+              <a:rPr lang="pt-BR"/>
               <a:t>Segundo nível</a:t>
             </a:r>
           </a:p>
           <a:p>
             <a:pPr lvl="2"/>
             <a:r>
-              <a:rPr lang="pt-BR" smtClean="0"/>
+              <a:rPr lang="pt-BR"/>
               <a:t>Terceiro nível</a:t>
             </a:r>
           </a:p>
           <a:p>
             <a:pPr lvl="3"/>
             <a:r>
-              <a:rPr lang="pt-BR" smtClean="0"/>
+              <a:rPr lang="pt-BR"/>
               <a:t>Quarto nível</a:t>
             </a:r>
           </a:p>
           <a:p>
             <a:pPr lvl="4"/>
             <a:r>
-              <a:rPr lang="pt-BR" smtClean="0"/>
+              <a:rPr lang="pt-BR"/>
               <a:t>Quinto nível</a:t>
             </a:r>
-            <a:endParaRPr lang="pt-BR"/>
           </a:p>
         </p:txBody>
       </p:sp>
@@ -1186,38 +1180,37 @@
           <a:p>
             <a:pPr lvl="0"/>
             <a:r>
-              <a:rPr lang="pt-BR" smtClean="0"/>
+              <a:rPr lang="pt-BR"/>
               <a:t>Editar estilos de texto Mestre</a:t>
             </a:r>
           </a:p>
           <a:p>
             <a:pPr lvl="1"/>
             <a:r>
-              <a:rPr lang="pt-BR" smtClean="0"/>
+              <a:rPr lang="pt-BR"/>
               <a:t>Segundo nível</a:t>
             </a:r>
           </a:p>
           <a:p>
             <a:pPr lvl="2"/>
             <a:r>
-              <a:rPr lang="pt-BR" smtClean="0"/>
+              <a:rPr lang="pt-BR"/>
               <a:t>Terceiro nível</a:t>
             </a:r>
           </a:p>
           <a:p>
             <a:pPr lvl="3"/>
             <a:r>
-              <a:rPr lang="pt-BR" smtClean="0"/>
+              <a:rPr lang="pt-BR"/>
               <a:t>Quarto nível</a:t>
             </a:r>
           </a:p>
           <a:p>
             <a:pPr lvl="4"/>
             <a:r>
-              <a:rPr lang="pt-BR" smtClean="0"/>
+              <a:rPr lang="pt-BR"/>
               <a:t>Quinto nível</a:t>
             </a:r>
-            <a:endParaRPr lang="pt-BR"/>
           </a:p>
         </p:txBody>
       </p:sp>
@@ -1337,10 +1330,9 @@
           <a:lstStyle/>
           <a:p>
             <a:r>
-              <a:rPr lang="pt-BR" smtClean="0"/>
+              <a:rPr lang="pt-BR"/>
               <a:t>Clique para editar o título mestre</a:t>
             </a:r>
-            <a:endParaRPr lang="pt-BR"/>
           </a:p>
         </p:txBody>
       </p:sp>
@@ -1403,7 +1395,7 @@
           <a:p>
             <a:pPr lvl="0"/>
             <a:r>
-              <a:rPr lang="pt-BR" smtClean="0"/>
+              <a:rPr lang="pt-BR"/>
               <a:t>Editar estilos de texto Mestre</a:t>
             </a:r>
           </a:p>
@@ -1431,38 +1423,37 @@
           <a:p>
             <a:pPr lvl="0"/>
             <a:r>
-              <a:rPr lang="pt-BR" smtClean="0"/>
+              <a:rPr lang="pt-BR"/>
               <a:t>Editar estilos de texto Mestre</a:t>
             </a:r>
           </a:p>
           <a:p>
             <a:pPr lvl="1"/>
             <a:r>
-              <a:rPr lang="pt-BR" smtClean="0"/>
+              <a:rPr lang="pt-BR"/>
               <a:t>Segundo nível</a:t>
             </a:r>
           </a:p>
           <a:p>
             <a:pPr lvl="2"/>
             <a:r>
-              <a:rPr lang="pt-BR" smtClean="0"/>
+              <a:rPr lang="pt-BR"/>
               <a:t>Terceiro nível</a:t>
             </a:r>
           </a:p>
           <a:p>
             <a:pPr lvl="3"/>
             <a:r>
-              <a:rPr lang="pt-BR" smtClean="0"/>
+              <a:rPr lang="pt-BR"/>
               <a:t>Quarto nível</a:t>
             </a:r>
           </a:p>
           <a:p>
             <a:pPr lvl="4"/>
             <a:r>
-              <a:rPr lang="pt-BR" smtClean="0"/>
+              <a:rPr lang="pt-BR"/>
               <a:t>Quinto nível</a:t>
             </a:r>
-            <a:endParaRPr lang="pt-BR"/>
           </a:p>
         </p:txBody>
       </p:sp>
@@ -1525,7 +1516,7 @@
           <a:p>
             <a:pPr lvl="0"/>
             <a:r>
-              <a:rPr lang="pt-BR" smtClean="0"/>
+              <a:rPr lang="pt-BR"/>
               <a:t>Editar estilos de texto Mestre</a:t>
             </a:r>
           </a:p>
@@ -1553,38 +1544,37 @@
           <a:p>
             <a:pPr lvl="0"/>
             <a:r>
-              <a:rPr lang="pt-BR" smtClean="0"/>
+              <a:rPr lang="pt-BR"/>
               <a:t>Editar estilos de texto Mestre</a:t>
             </a:r>
           </a:p>
           <a:p>
             <a:pPr lvl="1"/>
             <a:r>
-              <a:rPr lang="pt-BR" smtClean="0"/>
+              <a:rPr lang="pt-BR"/>
               <a:t>Segundo nível</a:t>
             </a:r>
           </a:p>
           <a:p>
             <a:pPr lvl="2"/>
             <a:r>
-              <a:rPr lang="pt-BR" smtClean="0"/>
+              <a:rPr lang="pt-BR"/>
               <a:t>Terceiro nível</a:t>
             </a:r>
           </a:p>
           <a:p>
             <a:pPr lvl="3"/>
             <a:r>
-              <a:rPr lang="pt-BR" smtClean="0"/>
+              <a:rPr lang="pt-BR"/>
               <a:t>Quarto nível</a:t>
             </a:r>
           </a:p>
           <a:p>
             <a:pPr lvl="4"/>
             <a:r>
-              <a:rPr lang="pt-BR" smtClean="0"/>
+              <a:rPr lang="pt-BR"/>
               <a:t>Quinto nível</a:t>
             </a:r>
-            <a:endParaRPr lang="pt-BR"/>
           </a:p>
         </p:txBody>
       </p:sp>
@@ -1699,10 +1689,9 @@
           <a:lstStyle/>
           <a:p>
             <a:r>
-              <a:rPr lang="pt-BR" smtClean="0"/>
+              <a:rPr lang="pt-BR"/>
               <a:t>Clique para editar o título mestre</a:t>
             </a:r>
-            <a:endParaRPr lang="pt-BR"/>
           </a:p>
         </p:txBody>
       </p:sp>
@@ -1921,10 +1910,9 @@
           </a:lstStyle>
           <a:p>
             <a:r>
-              <a:rPr lang="pt-BR" smtClean="0"/>
+              <a:rPr lang="pt-BR"/>
               <a:t>Clique para editar o título mestre</a:t>
             </a:r>
-            <a:endParaRPr lang="pt-BR"/>
           </a:p>
         </p:txBody>
       </p:sp>
@@ -1978,38 +1966,37 @@
           <a:p>
             <a:pPr lvl="0"/>
             <a:r>
-              <a:rPr lang="pt-BR" smtClean="0"/>
+              <a:rPr lang="pt-BR"/>
               <a:t>Editar estilos de texto Mestre</a:t>
             </a:r>
           </a:p>
           <a:p>
             <a:pPr lvl="1"/>
             <a:r>
-              <a:rPr lang="pt-BR" smtClean="0"/>
+              <a:rPr lang="pt-BR"/>
               <a:t>Segundo nível</a:t>
             </a:r>
           </a:p>
           <a:p>
             <a:pPr lvl="2"/>
             <a:r>
-              <a:rPr lang="pt-BR" smtClean="0"/>
+              <a:rPr lang="pt-BR"/>
               <a:t>Terceiro nível</a:t>
             </a:r>
           </a:p>
           <a:p>
             <a:pPr lvl="3"/>
             <a:r>
-              <a:rPr lang="pt-BR" smtClean="0"/>
+              <a:rPr lang="pt-BR"/>
               <a:t>Quarto nível</a:t>
             </a:r>
           </a:p>
           <a:p>
             <a:pPr lvl="4"/>
             <a:r>
-              <a:rPr lang="pt-BR" smtClean="0"/>
+              <a:rPr lang="pt-BR"/>
               <a:t>Quinto nível</a:t>
             </a:r>
-            <a:endParaRPr lang="pt-BR"/>
           </a:p>
         </p:txBody>
       </p:sp>
@@ -2072,7 +2059,7 @@
           <a:p>
             <a:pPr lvl="0"/>
             <a:r>
-              <a:rPr lang="pt-BR" smtClean="0"/>
+              <a:rPr lang="pt-BR"/>
               <a:t>Editar estilos de texto Mestre</a:t>
             </a:r>
           </a:p>
@@ -2198,10 +2185,9 @@
           </a:lstStyle>
           <a:p>
             <a:r>
-              <a:rPr lang="pt-BR" smtClean="0"/>
+              <a:rPr lang="pt-BR"/>
               <a:t>Clique para editar o título mestre</a:t>
             </a:r>
-            <a:endParaRPr lang="pt-BR"/>
           </a:p>
         </p:txBody>
       </p:sp>
@@ -2325,7 +2311,7 @@
           <a:p>
             <a:pPr lvl="0"/>
             <a:r>
-              <a:rPr lang="pt-BR" smtClean="0"/>
+              <a:rPr lang="pt-BR"/>
               <a:t>Editar estilos de texto Mestre</a:t>
             </a:r>
           </a:p>
@@ -2457,10 +2443,9 @@
           <a:lstStyle/>
           <a:p>
             <a:r>
-              <a:rPr lang="pt-BR" smtClean="0"/>
+              <a:rPr lang="pt-BR"/>
               <a:t>Clique para editar o título mestre</a:t>
             </a:r>
-            <a:endParaRPr lang="pt-BR"/>
           </a:p>
         </p:txBody>
       </p:sp>
@@ -2491,38 +2476,37 @@
           <a:p>
             <a:pPr lvl="0"/>
             <a:r>
-              <a:rPr lang="pt-BR" smtClean="0"/>
+              <a:rPr lang="pt-BR"/>
               <a:t>Editar estilos de texto Mestre</a:t>
             </a:r>
           </a:p>
           <a:p>
             <a:pPr lvl="1"/>
             <a:r>
-              <a:rPr lang="pt-BR" smtClean="0"/>
+              <a:rPr lang="pt-BR"/>
               <a:t>Segundo nível</a:t>
             </a:r>
           </a:p>
           <a:p>
             <a:pPr lvl="2"/>
             <a:r>
-              <a:rPr lang="pt-BR" smtClean="0"/>
+              <a:rPr lang="pt-BR"/>
               <a:t>Terceiro nível</a:t>
             </a:r>
           </a:p>
           <a:p>
             <a:pPr lvl="3"/>
             <a:r>
-              <a:rPr lang="pt-BR" smtClean="0"/>
+              <a:rPr lang="pt-BR"/>
               <a:t>Quarto nível</a:t>
             </a:r>
           </a:p>
           <a:p>
             <a:pPr lvl="4"/>
             <a:r>
-              <a:rPr lang="pt-BR" smtClean="0"/>
+              <a:rPr lang="pt-BR"/>
               <a:t>Quinto nível</a:t>
             </a:r>
-            <a:endParaRPr lang="pt-BR"/>
           </a:p>
         </p:txBody>
       </p:sp>
@@ -3106,7 +3090,7 @@
           <a:p>
             <a:pPr algn="ctr"/>
             <a:r>
-              <a:rPr lang="pt-BR" sz="2400" dirty="0" smtClean="0">
+              <a:rPr lang="pt-BR" sz="2400" dirty="0">
                 <a:ln w="0"/>
                 <a:solidFill>
                   <a:schemeClr val="bg1"/>
@@ -3123,7 +3107,7 @@
               <a:t>Lucas Bezerra | Lucas </a:t>
             </a:r>
             <a:r>
-              <a:rPr lang="pt-BR" sz="2400" dirty="0" err="1" smtClean="0">
+              <a:rPr lang="pt-BR" sz="2400" dirty="0" err="1">
                 <a:ln w="0"/>
                 <a:solidFill>
                   <a:schemeClr val="bg1"/>
@@ -3140,7 +3124,7 @@
               <a:t>Yudi</a:t>
             </a:r>
             <a:r>
-              <a:rPr lang="pt-BR" sz="2400" dirty="0" smtClean="0">
+              <a:rPr lang="pt-BR" sz="2400" dirty="0">
                 <a:ln w="0"/>
                 <a:solidFill>
                   <a:schemeClr val="bg1"/>
@@ -3181,7 +3165,7 @@
         </p:nvSpPr>
         <p:spPr>
           <a:xfrm>
-            <a:off x="1698878" y="1233273"/>
+            <a:off x="1698878" y="1243134"/>
             <a:ext cx="8794244" cy="1938992"/>
           </a:xfrm>
           <a:prstGeom prst="rect">
@@ -3197,7 +3181,7 @@
           <a:p>
             <a:pPr algn="ctr"/>
             <a:r>
-              <a:rPr lang="pt-BR" sz="6000" b="1" dirty="0" smtClean="0">
+              <a:rPr lang="pt-BR" sz="6000" b="1" dirty="0">
                 <a:ln w="0"/>
                 <a:solidFill>
                   <a:schemeClr val="bg1"/>
@@ -3214,7 +3198,7 @@
               <a:t>Sistema de </a:t>
             </a:r>
             <a:r>
-              <a:rPr lang="pt-BR" sz="6000" b="1" dirty="0" err="1" smtClean="0">
+              <a:rPr lang="pt-BR" sz="6000" b="1" dirty="0" err="1">
                 <a:ln w="0"/>
                 <a:solidFill>
                   <a:schemeClr val="bg1"/>
@@ -3231,7 +3215,7 @@
               <a:t>temperatuda</a:t>
             </a:r>
             <a:r>
-              <a:rPr lang="pt-BR" sz="6000" b="1" dirty="0" smtClean="0">
+              <a:rPr lang="pt-BR" sz="6000" b="1" dirty="0">
                 <a:ln w="0"/>
                 <a:solidFill>
                   <a:schemeClr val="bg1"/>
@@ -3288,7 +3272,7 @@
           <a:p>
             <a:pPr algn="ctr"/>
             <a:r>
-              <a:rPr lang="pt-BR" sz="6000" b="1" dirty="0" smtClean="0">
+              <a:rPr lang="pt-BR" sz="6000" b="1" dirty="0">
                 <a:ln w="0"/>
                 <a:solidFill>
                   <a:schemeClr val="bg1"/>
@@ -3366,13 +3350,6 @@
   <p:clrMapOvr>
     <a:masterClrMapping/>
   </p:clrMapOvr>
-  <p:timing>
-    <p:tnLst>
-      <p:par>
-        <p:cTn id="1" dur="indefinite" restart="never" nodeType="tmRoot"/>
-      </p:par>
-    </p:tnLst>
-  </p:timing>
 </p:sld>
 </file>
 
@@ -3889,7 +3866,7 @@
           <a:p>
             <a:pPr algn="ctr"/>
             <a:r>
-              <a:rPr lang="pt-BR" sz="2800" b="1" cap="none" spc="0" dirty="0" smtClean="0">
+              <a:rPr lang="pt-BR" sz="2800" b="1" cap="none" spc="0" dirty="0">
                 <a:ln w="0"/>
                 <a:solidFill>
                   <a:schemeClr val="bg1"/>
@@ -3904,19 +3881,6 @@
               </a:rPr>
               <a:t>SQLServer</a:t>
             </a:r>
-            <a:endParaRPr lang="pt-BR" sz="2800" b="1" cap="none" spc="0" dirty="0">
-              <a:ln w="0"/>
-              <a:solidFill>
-                <a:schemeClr val="bg1"/>
-              </a:solidFill>
-              <a:effectLst>
-                <a:outerShdw blurRad="38100" dist="25400" dir="5400000" algn="ctr" rotWithShape="0">
-                  <a:srgbClr val="6E747A">
-                    <a:alpha val="43000"/>
-                  </a:srgbClr>
-                </a:outerShdw>
-              </a:effectLst>
-            </a:endParaRPr>
           </a:p>
         </p:txBody>
       </p:sp>
@@ -4246,7 +4210,7 @@
           <a:p>
             <a:pPr algn="ctr"/>
             <a:r>
-              <a:rPr lang="pt-BR" sz="4000" dirty="0" smtClean="0">
+              <a:rPr lang="pt-BR" sz="4000" dirty="0">
                 <a:ln w="0"/>
                 <a:solidFill>
                   <a:schemeClr val="bg1"/>
@@ -4330,13 +4294,13 @@
   <p:clrMapOvr>
     <a:masterClrMapping/>
   </p:clrMapOvr>
-  <mc:AlternateContent xmlns:mc="http://schemas.openxmlformats.org/markup-compatibility/2006">
-    <mc:Choice xmlns:p14="http://schemas.microsoft.com/office/powerpoint/2010/main" Requires="p14">
+  <mc:AlternateContent xmlns:mc="http://schemas.openxmlformats.org/markup-compatibility/2006" xmlns:p14="http://schemas.microsoft.com/office/powerpoint/2010/main">
+    <mc:Choice Requires="p14">
       <p:transition spd="med" p14:dur="700">
         <p:fade/>
       </p:transition>
     </mc:Choice>
-    <mc:Fallback>
+    <mc:Fallback xmlns="">
       <p:transition spd="med">
         <p:fade/>
       </p:transition>
@@ -5510,7 +5474,7 @@
         </p:nvSpPr>
         <p:spPr>
           <a:xfrm>
-            <a:off x="203982" y="2154680"/>
+            <a:off x="203982" y="1548625"/>
             <a:ext cx="11784036" cy="2554545"/>
           </a:xfrm>
           <a:prstGeom prst="rect">
@@ -5526,7 +5490,7 @@
           <a:p>
             <a:pPr algn="ctr"/>
             <a:r>
-              <a:rPr lang="pt-BR" sz="3200" dirty="0" smtClean="0">
+              <a:rPr lang="pt-BR" sz="3200" dirty="0">
                 <a:ln w="0"/>
                 <a:solidFill>
                   <a:schemeClr val="bg1"/>
@@ -5540,10 +5504,10 @@
                 </a:effectLst>
                 <a:latin typeface="Exo 2 Extra Light" panose="00000300000000000000" pitchFamily="50" charset="0"/>
               </a:rPr>
-              <a:t>Lucas Bezerra – RA 52029</a:t>
+              <a:t>Lucas Bezerra - RA 52029</a:t>
             </a:r>
             <a:br>
-              <a:rPr lang="pt-BR" sz="3200" dirty="0" smtClean="0">
+              <a:rPr lang="pt-BR" sz="3200" dirty="0">
                 <a:ln w="0"/>
                 <a:solidFill>
                   <a:schemeClr val="bg1"/>
@@ -5559,40 +5523,6 @@
               </a:rPr>
             </a:br>
             <a:r>
-              <a:rPr lang="pt-BR" sz="3200" dirty="0" smtClean="0">
-                <a:ln w="0"/>
-                <a:solidFill>
-                  <a:schemeClr val="bg1"/>
-                </a:solidFill>
-                <a:effectLst>
-                  <a:outerShdw blurRad="38100" dist="19050" dir="2700000" algn="tl" rotWithShape="0">
-                    <a:schemeClr val="dk1">
-                      <a:alpha val="40000"/>
-                    </a:schemeClr>
-                  </a:outerShdw>
-                </a:effectLst>
-                <a:latin typeface="Exo 2 Extra Light" panose="00000300000000000000" pitchFamily="50" charset="0"/>
-              </a:rPr>
-              <a:t>Lucas </a:t>
-            </a:r>
-            <a:r>
-              <a:rPr lang="pt-BR" sz="3200" dirty="0" err="1" smtClean="0">
-                <a:ln w="0"/>
-                <a:solidFill>
-                  <a:schemeClr val="bg1"/>
-                </a:solidFill>
-                <a:effectLst>
-                  <a:outerShdw blurRad="38100" dist="19050" dir="2700000" algn="tl" rotWithShape="0">
-                    <a:schemeClr val="dk1">
-                      <a:alpha val="40000"/>
-                    </a:schemeClr>
-                  </a:outerShdw>
-                </a:effectLst>
-                <a:latin typeface="Exo 2 Extra Light" panose="00000300000000000000" pitchFamily="50" charset="0"/>
-              </a:rPr>
-              <a:t>Yudi</a:t>
-            </a:r>
-            <a:r>
               <a:rPr lang="pt-BR" sz="3200" dirty="0">
                 <a:ln w="0"/>
                 <a:solidFill>
@@ -5607,27 +5537,10 @@
                 </a:effectLst>
                 <a:latin typeface="Exo 2 Extra Light" panose="00000300000000000000" pitchFamily="50" charset="0"/>
               </a:rPr>
-              <a:t> </a:t>
-            </a:r>
-            <a:r>
-              <a:rPr lang="pt-BR" sz="3200" dirty="0" smtClean="0">
-                <a:ln w="0"/>
-                <a:solidFill>
-                  <a:schemeClr val="bg1"/>
-                </a:solidFill>
-                <a:effectLst>
-                  <a:outerShdw blurRad="38100" dist="19050" dir="2700000" algn="tl" rotWithShape="0">
-                    <a:schemeClr val="dk1">
-                      <a:alpha val="40000"/>
-                    </a:schemeClr>
-                  </a:outerShdw>
-                </a:effectLst>
-                <a:latin typeface="Exo 2 Extra Light" panose="00000300000000000000" pitchFamily="50" charset="0"/>
-              </a:rPr>
-              <a:t>RA 52044</a:t>
+              <a:t>Lucas Yudi - RA 52044</a:t>
             </a:r>
             <a:br>
-              <a:rPr lang="pt-BR" sz="3200" dirty="0" smtClean="0">
+              <a:rPr lang="pt-BR" sz="3200" dirty="0">
                 <a:ln w="0"/>
                 <a:solidFill>
                   <a:schemeClr val="bg1"/>
@@ -5643,7 +5556,7 @@
               </a:rPr>
             </a:br>
             <a:r>
-              <a:rPr lang="pt-BR" sz="3200" dirty="0" smtClean="0">
+              <a:rPr lang="pt-BR" sz="3200" dirty="0">
                 <a:ln w="0"/>
                 <a:solidFill>
                   <a:schemeClr val="bg1"/>
@@ -5657,13 +5570,13 @@
                 </a:effectLst>
                 <a:latin typeface="Exo 2 Extra Light" panose="00000300000000000000" pitchFamily="50" charset="0"/>
               </a:rPr>
-              <a:t>Matheus Marinho RA 52045</a:t>
+              <a:t>Matheus Marinho - RA 52045</a:t>
             </a:r>
           </a:p>
           <a:p>
             <a:pPr algn="ctr"/>
             <a:r>
-              <a:rPr lang="pt-BR" sz="3200" dirty="0" smtClean="0">
+              <a:rPr lang="pt-BR" sz="3200" dirty="0">
                 <a:ln w="0"/>
                 <a:solidFill>
                   <a:schemeClr val="bg1"/>
@@ -5677,13 +5590,13 @@
                 </a:effectLst>
                 <a:latin typeface="Exo 2 Extra Light" panose="00000300000000000000" pitchFamily="50" charset="0"/>
               </a:rPr>
-              <a:t>Matheus de Oliveira RA 52046</a:t>
+              <a:t>Matheus de Oliveira - RA 52046</a:t>
             </a:r>
           </a:p>
           <a:p>
             <a:pPr algn="ctr"/>
             <a:r>
-              <a:rPr lang="pt-BR" sz="3200" dirty="0" smtClean="0">
+              <a:rPr lang="pt-BR" sz="3200" dirty="0">
                 <a:ln w="0"/>
                 <a:solidFill>
                   <a:schemeClr val="bg1"/>
@@ -5697,7 +5610,7 @@
                 </a:effectLst>
                 <a:latin typeface="Exo 2 Extra Light" panose="00000300000000000000" pitchFamily="50" charset="0"/>
               </a:rPr>
-              <a:t>Rodolfo Gregório RA 52074</a:t>
+              <a:t>Rodolfo Gregório - RA 52074</a:t>
             </a:r>
             <a:endParaRPr lang="pt-BR" sz="3200" b="0" cap="none" spc="0" dirty="0">
               <a:ln w="0"/>
@@ -5716,6 +5629,69 @@
           </a:p>
         </p:txBody>
       </p:sp>
+      <p:sp>
+        <p:nvSpPr>
+          <p:cNvPr id="6" name="Retângulo 5">
+            <a:extLst>
+              <a:ext uri="{FF2B5EF4-FFF2-40B4-BE49-F238E27FC236}">
+                <a16:creationId xmlns:a16="http://schemas.microsoft.com/office/drawing/2014/main" id="{E73497C7-02D5-4FD2-A0CD-201437955FCA}"/>
+              </a:ext>
+            </a:extLst>
+          </p:cNvPr>
+          <p:cNvSpPr/>
+          <p:nvPr/>
+        </p:nvSpPr>
+        <p:spPr>
+          <a:xfrm>
+            <a:off x="203982" y="4595734"/>
+            <a:ext cx="11784036" cy="830997"/>
+          </a:xfrm>
+          <a:prstGeom prst="rect">
+            <a:avLst/>
+          </a:prstGeom>
+          <a:noFill/>
+        </p:spPr>
+        <p:txBody>
+          <a:bodyPr wrap="square" lIns="91440" tIns="45720" rIns="91440" bIns="45720">
+            <a:spAutoFit/>
+          </a:bodyPr>
+          <a:lstStyle/>
+          <a:p>
+            <a:pPr algn="ctr"/>
+            <a:r>
+              <a:rPr lang="pt-BR" sz="4800" dirty="0">
+                <a:ln w="0"/>
+                <a:solidFill>
+                  <a:schemeClr val="bg1"/>
+                </a:solidFill>
+                <a:effectLst>
+                  <a:outerShdw blurRad="38100" dist="19050" dir="2700000" algn="tl" rotWithShape="0">
+                    <a:schemeClr val="dk1">
+                      <a:alpha val="40000"/>
+                    </a:schemeClr>
+                  </a:outerShdw>
+                </a:effectLst>
+                <a:latin typeface="Exo 2 Extra Light" panose="00000300000000000000" pitchFamily="50" charset="0"/>
+              </a:rPr>
+              <a:t>Obrigado!</a:t>
+            </a:r>
+            <a:endParaRPr lang="pt-BR" sz="4800" b="0" cap="none" spc="0" dirty="0">
+              <a:ln w="0"/>
+              <a:solidFill>
+                <a:schemeClr val="bg1"/>
+              </a:solidFill>
+              <a:effectLst>
+                <a:outerShdw blurRad="38100" dist="19050" dir="2700000" algn="tl" rotWithShape="0">
+                  <a:schemeClr val="dk1">
+                    <a:alpha val="40000"/>
+                  </a:schemeClr>
+                </a:outerShdw>
+              </a:effectLst>
+              <a:latin typeface="Exo 2 Extra Light" panose="00000300000000000000" pitchFamily="50" charset="0"/>
+            </a:endParaRPr>
+          </a:p>
+        </p:txBody>
+      </p:sp>
     </p:spTree>
     <p:extLst>
       <p:ext uri="{BB962C8B-B14F-4D97-AF65-F5344CB8AC3E}">
@@ -5726,25 +5702,18 @@
   <p:clrMapOvr>
     <a:masterClrMapping/>
   </p:clrMapOvr>
-  <mc:AlternateContent xmlns:mc="http://schemas.openxmlformats.org/markup-compatibility/2006">
-    <mc:Choice xmlns:p14="http://schemas.microsoft.com/office/powerpoint/2010/main" Requires="p14">
+  <mc:AlternateContent xmlns:mc="http://schemas.openxmlformats.org/markup-compatibility/2006" xmlns:p14="http://schemas.microsoft.com/office/powerpoint/2010/main">
+    <mc:Choice Requires="p14">
       <p:transition spd="med" p14:dur="700">
         <p:fade/>
       </p:transition>
     </mc:Choice>
-    <mc:Fallback>
+    <mc:Fallback xmlns="">
       <p:transition spd="med">
         <p:fade/>
       </p:transition>
     </mc:Fallback>
   </mc:AlternateContent>
-  <p:timing>
-    <p:tnLst>
-      <p:par>
-        <p:cTn id="1" dur="indefinite" restart="never" nodeType="tmRoot"/>
-      </p:par>
-    </p:tnLst>
-  </p:timing>
 </p:sld>
 </file>
 

--- a/Professora Marise/Arquitetura incubadora.pptx
+++ b/Professora Marise/Arquitetura incubadora.pptx
@@ -243,7 +243,7 @@
           <a:p>
             <a:fld id="{24DC6F6F-C09A-4FB7-97E3-78F353222510}" type="datetimeFigureOut">
               <a:rPr lang="pt-BR" smtClean="0"/>
-              <a:t>12/09/2018</a:t>
+              <a:t>27/11/2018</a:t>
             </a:fld>
             <a:endParaRPr lang="pt-BR"/>
           </a:p>
@@ -411,7 +411,7 @@
           <a:p>
             <a:fld id="{24DC6F6F-C09A-4FB7-97E3-78F353222510}" type="datetimeFigureOut">
               <a:rPr lang="pt-BR" smtClean="0"/>
-              <a:t>12/09/2018</a:t>
+              <a:t>27/11/2018</a:t>
             </a:fld>
             <a:endParaRPr lang="pt-BR"/>
           </a:p>
@@ -589,7 +589,7 @@
           <a:p>
             <a:fld id="{24DC6F6F-C09A-4FB7-97E3-78F353222510}" type="datetimeFigureOut">
               <a:rPr lang="pt-BR" smtClean="0"/>
-              <a:t>12/09/2018</a:t>
+              <a:t>27/11/2018</a:t>
             </a:fld>
             <a:endParaRPr lang="pt-BR"/>
           </a:p>
@@ -757,7 +757,7 @@
           <a:p>
             <a:fld id="{24DC6F6F-C09A-4FB7-97E3-78F353222510}" type="datetimeFigureOut">
               <a:rPr lang="pt-BR" smtClean="0"/>
-              <a:t>12/09/2018</a:t>
+              <a:t>27/11/2018</a:t>
             </a:fld>
             <a:endParaRPr lang="pt-BR"/>
           </a:p>
@@ -1002,7 +1002,7 @@
           <a:p>
             <a:fld id="{24DC6F6F-C09A-4FB7-97E3-78F353222510}" type="datetimeFigureOut">
               <a:rPr lang="pt-BR" smtClean="0"/>
-              <a:t>12/09/2018</a:t>
+              <a:t>27/11/2018</a:t>
             </a:fld>
             <a:endParaRPr lang="pt-BR"/>
           </a:p>
@@ -1231,7 +1231,7 @@
           <a:p>
             <a:fld id="{24DC6F6F-C09A-4FB7-97E3-78F353222510}" type="datetimeFigureOut">
               <a:rPr lang="pt-BR" smtClean="0"/>
-              <a:t>12/09/2018</a:t>
+              <a:t>27/11/2018</a:t>
             </a:fld>
             <a:endParaRPr lang="pt-BR"/>
           </a:p>
@@ -1595,7 +1595,7 @@
           <a:p>
             <a:fld id="{24DC6F6F-C09A-4FB7-97E3-78F353222510}" type="datetimeFigureOut">
               <a:rPr lang="pt-BR" smtClean="0"/>
-              <a:t>12/09/2018</a:t>
+              <a:t>27/11/2018</a:t>
             </a:fld>
             <a:endParaRPr lang="pt-BR"/>
           </a:p>
@@ -1712,7 +1712,7 @@
           <a:p>
             <a:fld id="{24DC6F6F-C09A-4FB7-97E3-78F353222510}" type="datetimeFigureOut">
               <a:rPr lang="pt-BR" smtClean="0"/>
-              <a:t>12/09/2018</a:t>
+              <a:t>27/11/2018</a:t>
             </a:fld>
             <a:endParaRPr lang="pt-BR"/>
           </a:p>
@@ -1807,7 +1807,7 @@
           <a:p>
             <a:fld id="{24DC6F6F-C09A-4FB7-97E3-78F353222510}" type="datetimeFigureOut">
               <a:rPr lang="pt-BR" smtClean="0"/>
-              <a:t>12/09/2018</a:t>
+              <a:t>27/11/2018</a:t>
             </a:fld>
             <a:endParaRPr lang="pt-BR"/>
           </a:p>
@@ -2082,7 +2082,7 @@
           <a:p>
             <a:fld id="{24DC6F6F-C09A-4FB7-97E3-78F353222510}" type="datetimeFigureOut">
               <a:rPr lang="pt-BR" smtClean="0"/>
-              <a:t>12/09/2018</a:t>
+              <a:t>27/11/2018</a:t>
             </a:fld>
             <a:endParaRPr lang="pt-BR"/>
           </a:p>
@@ -2334,7 +2334,7 @@
           <a:p>
             <a:fld id="{24DC6F6F-C09A-4FB7-97E3-78F353222510}" type="datetimeFigureOut">
               <a:rPr lang="pt-BR" smtClean="0"/>
-              <a:t>12/09/2018</a:t>
+              <a:t>27/11/2018</a:t>
             </a:fld>
             <a:endParaRPr lang="pt-BR"/>
           </a:p>
@@ -2545,7 +2545,7 @@
           <a:p>
             <a:fld id="{24DC6F6F-C09A-4FB7-97E3-78F353222510}" type="datetimeFigureOut">
               <a:rPr lang="pt-BR" smtClean="0"/>
-              <a:t>12/09/2018</a:t>
+              <a:t>27/11/2018</a:t>
             </a:fld>
             <a:endParaRPr lang="pt-BR"/>
           </a:p>
@@ -3195,10 +3195,10 @@
                 </a:effectLst>
                 <a:latin typeface="Exo 2 Extra Light" panose="00000300000000000000" pitchFamily="50" charset="0"/>
               </a:rPr>
-              <a:t>Sistema de </a:t>
-            </a:r>
-            <a:r>
-              <a:rPr lang="pt-BR" sz="6000" b="1" dirty="0" err="1">
+              <a:t>Sistema </a:t>
+            </a:r>
+            <a:r>
+              <a:rPr lang="pt-BR" sz="6000" b="1">
                 <a:ln w="0"/>
                 <a:solidFill>
                   <a:schemeClr val="bg1"/>
@@ -3212,7 +3212,24 @@
                 </a:effectLst>
                 <a:latin typeface="Exo 2 Extra Light" panose="00000300000000000000" pitchFamily="50" charset="0"/>
               </a:rPr>
-              <a:t>temperatuda</a:t>
+              <a:t>de </a:t>
+            </a:r>
+            <a:r>
+              <a:rPr lang="pt-BR" sz="6000" b="1" smtClean="0">
+                <a:ln w="0"/>
+                <a:solidFill>
+                  <a:schemeClr val="bg1"/>
+                </a:solidFill>
+                <a:effectLst>
+                  <a:outerShdw blurRad="38100" dist="19050" dir="2700000" algn="tl" rotWithShape="0">
+                    <a:schemeClr val="dk1">
+                      <a:alpha val="40000"/>
+                    </a:schemeClr>
+                  </a:outerShdw>
+                </a:effectLst>
+                <a:latin typeface="Exo 2 Extra Light" panose="00000300000000000000" pitchFamily="50" charset="0"/>
+              </a:rPr>
+              <a:t>temperatura </a:t>
             </a:r>
             <a:r>
               <a:rPr lang="pt-BR" sz="6000" b="1" dirty="0">
@@ -3229,7 +3246,7 @@
                 </a:effectLst>
                 <a:latin typeface="Exo 2 Extra Light" panose="00000300000000000000" pitchFamily="50" charset="0"/>
               </a:rPr>
-              <a:t> e umidade</a:t>
+              <a:t>e umidade</a:t>
             </a:r>
             <a:endParaRPr lang="pt-BR" sz="6000" b="1" cap="none" spc="0" dirty="0">
               <a:ln w="0"/>
